--- a/Rowdy Rams.pptx
+++ b/Rowdy Rams.pptx
@@ -739,7 +739,7 @@
         </p:nvSpPr>
         <p:spPr>
           <a:xfrm>
-            <a:off x="857573" y="685800"/>
+            <a:off x="857250" y="685800"/>
             <a:ext cx="5143500" cy="3429000"/>
           </a:xfrm>
           <a:custGeom>
@@ -7205,14 +7205,14 @@
               <a:buNone/>
             </a:pPr>
             <a:r>
-              <a:rPr lang="en" sz="4900" b="1">
+              <a:rPr lang="en" sz="4900" b="1" dirty="0">
                 <a:solidFill>
                   <a:schemeClr val="lt1"/>
                 </a:solidFill>
               </a:rPr>
               <a:t>Team Vision</a:t>
             </a:r>
-            <a:endParaRPr sz="4900" b="1">
+            <a:endParaRPr sz="4900" b="1" dirty="0">
               <a:solidFill>
                 <a:schemeClr val="lt1"/>
               </a:solidFill>
@@ -7228,7 +7228,7 @@
               </a:spcAft>
               <a:buNone/>
             </a:pPr>
-            <a:endParaRPr sz="1500">
+            <a:endParaRPr sz="1500" dirty="0">
               <a:solidFill>
                 <a:schemeClr val="lt1"/>
               </a:solidFill>
@@ -7250,14 +7250,14 @@
               <a:buNone/>
             </a:pPr>
             <a:r>
-              <a:rPr lang="en" sz="3500">
+              <a:rPr lang="en" sz="3500" dirty="0">
                 <a:solidFill>
                   <a:schemeClr val="dk1"/>
                 </a:solidFill>
               </a:rPr>
-              <a:t>Rowdy Rams Beverage Co. is an end-to-end solution to enhance inventory tracking technology for alcohol retail establishments. This website will allow customers to reserve an order for later pickup and purchase onsite. This will ensure that the distribution center will have enough inventory available to provide customers with their order, at the time of pickup. While designing the system architecture of this project, convenience and scalability are large components in the implementation of databases. </a:t>
+              <a:t>Rowdy Rams Beverage Co. is an end-to-end solution to enhance inventory tracking technology for alcohol retail establishments. This website will allow customers to reserve an order for later pickup and onsite purchase. This will ensure that the distribution center will have enough inventory available to provide customers with their order, at the time of pickup. While designing the system architecture of this project, convenience and scalability are large components in the implementation of databases. </a:t>
             </a:r>
-            <a:endParaRPr sz="5400">
+            <a:endParaRPr sz="5400" dirty="0">
               <a:solidFill>
                 <a:schemeClr val="dk1"/>
               </a:solidFill>
@@ -7470,14 +7470,14 @@
               <a:buNone/>
             </a:pPr>
             <a:r>
-              <a:rPr lang="en" sz="4900" b="1">
+              <a:rPr lang="en" sz="4900" b="1" dirty="0">
                 <a:solidFill>
                   <a:schemeClr val="lt1"/>
                 </a:solidFill>
               </a:rPr>
               <a:t>Design</a:t>
             </a:r>
-            <a:endParaRPr sz="4900" b="1">
+            <a:endParaRPr sz="4900" b="1" dirty="0">
               <a:solidFill>
                 <a:schemeClr val="lt1"/>
               </a:solidFill>
@@ -7493,7 +7493,7 @@
               </a:spcAft>
               <a:buNone/>
             </a:pPr>
-            <a:endParaRPr>
+            <a:endParaRPr dirty="0">
               <a:solidFill>
                 <a:schemeClr val="lt1"/>
               </a:solidFill>
@@ -7510,14 +7510,14 @@
               <a:buNone/>
             </a:pPr>
             <a:r>
-              <a:rPr lang="en" sz="3500" b="1" u="sng">
+              <a:rPr lang="en" sz="3500" b="1" u="sng" dirty="0">
                 <a:solidFill>
                   <a:schemeClr val="dk1"/>
                 </a:solidFill>
               </a:rPr>
               <a:t>Front-end Components:</a:t>
             </a:r>
-            <a:endParaRPr sz="3500" b="1" u="sng">
+            <a:endParaRPr sz="3500" b="1" u="sng" dirty="0">
               <a:solidFill>
                 <a:schemeClr val="dk1"/>
               </a:solidFill>
@@ -7534,14 +7534,30 @@
               <a:buNone/>
             </a:pPr>
             <a:r>
-              <a:rPr lang="en" sz="3500">
+              <a:rPr lang="en" sz="3500" dirty="0">
                 <a:solidFill>
                   <a:schemeClr val="dk1"/>
                 </a:solidFill>
               </a:rPr>
-              <a:t>We are creating a single website using React. This webUI allows the using to search the inventory and create a cart to items to place on hold and be picked up.</a:t>
+              <a:t>We are creating a single website using React. This </a:t>
             </a:r>
-            <a:endParaRPr sz="3500">
+            <a:r>
+              <a:rPr lang="en" sz="3500" dirty="0" err="1">
+                <a:solidFill>
+                  <a:schemeClr val="dk1"/>
+                </a:solidFill>
+              </a:rPr>
+              <a:t>webUI</a:t>
+            </a:r>
+            <a:r>
+              <a:rPr lang="en" sz="3500" dirty="0">
+                <a:solidFill>
+                  <a:schemeClr val="dk1"/>
+                </a:solidFill>
+              </a:rPr>
+              <a:t> allows the user to search the inventory and create a cart of items to place on hold and be picked up.</a:t>
+            </a:r>
+            <a:endParaRPr sz="3500" dirty="0">
               <a:solidFill>
                 <a:schemeClr val="dk1"/>
               </a:solidFill>
@@ -7558,14 +7574,14 @@
               <a:buNone/>
             </a:pPr>
             <a:r>
-              <a:rPr lang="en" sz="3500" b="1" u="sng">
+              <a:rPr lang="en" sz="3500" b="1" u="sng" dirty="0">
                 <a:solidFill>
                   <a:schemeClr val="dk1"/>
                 </a:solidFill>
               </a:rPr>
               <a:t>Back-end Components:</a:t>
             </a:r>
-            <a:endParaRPr sz="3500" b="1" u="sng">
+            <a:endParaRPr sz="3500" b="1" u="sng" dirty="0">
               <a:solidFill>
                 <a:schemeClr val="dk1"/>
               </a:solidFill>
@@ -7582,14 +7598,14 @@
               <a:buNone/>
             </a:pPr>
             <a:r>
-              <a:rPr lang="en" sz="3500">
+              <a:rPr lang="en" sz="3500" dirty="0">
                 <a:solidFill>
                   <a:schemeClr val="dk1"/>
                 </a:solidFill>
               </a:rPr>
-              <a:t>For our back-end, we are using Python and Flask to handle url endpoints and communications with the database. </a:t>
+              <a:t>For our back-end, we are using Python and Flask to handle URL endpoints and communications with the database. </a:t>
             </a:r>
-            <a:endParaRPr sz="3500">
+            <a:endParaRPr sz="3500" dirty="0">
               <a:solidFill>
                 <a:schemeClr val="dk1"/>
               </a:solidFill>
@@ -7606,14 +7622,14 @@
               <a:buNone/>
             </a:pPr>
             <a:r>
-              <a:rPr lang="en" sz="3500" b="1" u="sng">
+              <a:rPr lang="en" sz="3500" b="1" u="sng" dirty="0">
                 <a:solidFill>
                   <a:schemeClr val="dk1"/>
                 </a:solidFill>
               </a:rPr>
               <a:t>Database:</a:t>
             </a:r>
-            <a:endParaRPr sz="3500" b="1" u="sng">
+            <a:endParaRPr sz="3500" b="1" u="sng" dirty="0">
               <a:solidFill>
                 <a:schemeClr val="dk1"/>
               </a:solidFill>
@@ -7630,14 +7646,30 @@
               <a:buNone/>
             </a:pPr>
             <a:r>
-              <a:rPr lang="en" sz="3500">
+              <a:rPr lang="en" sz="3500" dirty="0">
                 <a:solidFill>
                   <a:schemeClr val="dk1"/>
                 </a:solidFill>
               </a:rPr>
-              <a:t>We are using mySQL to create our database which will act as the store’s inventory.</a:t>
+              <a:t>We are using </a:t>
             </a:r>
-            <a:endParaRPr sz="3500">
+            <a:r>
+              <a:rPr lang="en" sz="3500" dirty="0" err="1">
+                <a:solidFill>
+                  <a:schemeClr val="dk1"/>
+                </a:solidFill>
+              </a:rPr>
+              <a:t>mySQL</a:t>
+            </a:r>
+            <a:r>
+              <a:rPr lang="en" sz="3500" dirty="0">
+                <a:solidFill>
+                  <a:schemeClr val="dk1"/>
+                </a:solidFill>
+              </a:rPr>
+              <a:t> to create our database which will act as the store’s inventory.</a:t>
+            </a:r>
+            <a:endParaRPr sz="3500" dirty="0">
               <a:solidFill>
                 <a:schemeClr val="dk1"/>
               </a:solidFill>
@@ -7653,7 +7685,7 @@
               </a:spcAft>
               <a:buNone/>
             </a:pPr>
-            <a:endParaRPr sz="3000">
+            <a:endParaRPr sz="3000" dirty="0">
               <a:solidFill>
                 <a:schemeClr val="dk1"/>
               </a:solidFill>
@@ -7669,7 +7701,7 @@
               </a:spcAft>
               <a:buNone/>
             </a:pPr>
-            <a:endParaRPr sz="3000">
+            <a:endParaRPr sz="3000" dirty="0">
               <a:solidFill>
                 <a:schemeClr val="dk1"/>
               </a:solidFill>
@@ -7891,34 +7923,6 @@
       </p:pic>
       <p:pic>
         <p:nvPicPr>
-          <p:cNvPr id="97" name="Google Shape;97;p13"/>
-          <p:cNvPicPr preferRelativeResize="0"/>
-          <p:nvPr/>
-        </p:nvPicPr>
-        <p:blipFill>
-          <a:blip r:embed="rId6">
-            <a:alphaModFix/>
-          </a:blip>
-          <a:stretch>
-            <a:fillRect/>
-          </a:stretch>
-        </p:blipFill>
-        <p:spPr>
-          <a:xfrm>
-            <a:off x="2681409" y="-534675"/>
-            <a:ext cx="8166917" cy="4593899"/>
-          </a:xfrm>
-          <a:prstGeom prst="rect">
-            <a:avLst/>
-          </a:prstGeom>
-          <a:noFill/>
-          <a:ln>
-            <a:noFill/>
-          </a:ln>
-        </p:spPr>
-      </p:pic>
-      <p:pic>
-        <p:nvPicPr>
           <p:cNvPr id="98" name="Google Shape;98;p13"/>
           <p:cNvPicPr preferRelativeResize="0"/>
           <p:nvPr/>
@@ -7933,8 +7937,42 @@
         </p:blipFill>
         <p:spPr>
           <a:xfrm>
-            <a:off x="22604962" y="-534675"/>
-            <a:ext cx="9230035" cy="5191900"/>
+            <a:off x="22714733" y="-312068"/>
+            <a:ext cx="7344817" cy="4195987"/>
+          </a:xfrm>
+          <a:prstGeom prst="rect">
+            <a:avLst/>
+          </a:prstGeom>
+          <a:noFill/>
+          <a:ln>
+            <a:noFill/>
+          </a:ln>
+        </p:spPr>
+      </p:pic>
+      <p:pic>
+        <p:nvPicPr>
+          <p:cNvPr id="47" name="Google Shape;98;p13">
+            <a:extLst>
+              <a:ext uri="{FF2B5EF4-FFF2-40B4-BE49-F238E27FC236}">
+                <a16:creationId xmlns:a16="http://schemas.microsoft.com/office/drawing/2014/main" id="{9EBF83BF-7394-FE01-7906-BB744C057C2C}"/>
+              </a:ext>
+            </a:extLst>
+          </p:cNvPr>
+          <p:cNvPicPr preferRelativeResize="0"/>
+          <p:nvPr/>
+        </p:nvPicPr>
+        <p:blipFill>
+          <a:blip r:embed="rId6">
+            <a:alphaModFix/>
+          </a:blip>
+          <a:stretch>
+            <a:fillRect/>
+          </a:stretch>
+        </p:blipFill>
+        <p:spPr>
+          <a:xfrm>
+            <a:off x="2942233" y="-403112"/>
+            <a:ext cx="7344817" cy="4195987"/>
           </a:xfrm>
           <a:prstGeom prst="rect">
             <a:avLst/>
